--- a/第六章 图/6.2 图的存储及基本操作/图.pptx
+++ b/第六章 图/6.2 图的存储及基本操作/图.pptx
@@ -5,8 +5,8 @@
     <p:sldMasterId id="2147483648" r:id="rId1"/>
   </p:sldMasterIdLst>
   <p:sldIdLst>
-    <p:sldId id="256" r:id="rId3"/>
-    <p:sldId id="257" r:id="rId4"/>
+    <p:sldId id="257" r:id="rId3"/>
+    <p:sldId id="258" r:id="rId4"/>
   </p:sldIdLst>
   <p:sldSz cx="12192000" cy="6858000"/>
   <p:notesSz cx="6858000" cy="9144000"/>
@@ -691,67 +691,6 @@
           <a:chExt cx="0" cy="0"/>
         </a:xfrm>
       </p:grpSpPr>
-      <p:pic>
-        <p:nvPicPr>
-          <p:cNvPr id="7" name="图片 6"/>
-          <p:cNvPicPr>
-            <a:picLocks noChangeAspect="1"/>
-          </p:cNvPicPr>
-          <p:nvPr userDrawn="1">
-            <p:custDataLst>
-              <p:tags r:id="rId2"/>
-            </p:custDataLst>
-          </p:nvPr>
-        </p:nvPicPr>
-        <p:blipFill>
-          <a:blip r:embed="rId3"/>
-          <a:stretch>
-            <a:fillRect/>
-          </a:stretch>
-        </p:blipFill>
-        <p:spPr>
-          <a:xfrm>
-            <a:off x="863600" y="879475"/>
-            <a:ext cx="6209665" cy="696595"/>
-          </a:xfrm>
-          <a:prstGeom prst="rect">
-            <a:avLst/>
-          </a:prstGeom>
-          <a:ln>
-            <a:solidFill>
-              <a:schemeClr val="accent1"/>
-            </a:solidFill>
-          </a:ln>
-        </p:spPr>
-      </p:pic>
-      <p:pic>
-        <p:nvPicPr>
-          <p:cNvPr id="8" name="图片 7"/>
-          <p:cNvPicPr>
-            <a:picLocks noChangeAspect="1"/>
-          </p:cNvPicPr>
-          <p:nvPr userDrawn="1">
-            <p:custDataLst>
-              <p:tags r:id="rId4"/>
-            </p:custDataLst>
-          </p:nvPr>
-        </p:nvPicPr>
-        <p:blipFill>
-          <a:blip r:embed="rId5"/>
-          <a:stretch>
-            <a:fillRect/>
-          </a:stretch>
-        </p:blipFill>
-        <p:spPr>
-          <a:xfrm>
-            <a:off x="863600" y="1946275"/>
-            <a:ext cx="6847284" cy="694800"/>
-          </a:xfrm>
-          <a:prstGeom prst="rect">
-            <a:avLst/>
-          </a:prstGeom>
-        </p:spPr>
-      </p:pic>
     </p:spTree>
   </p:cSld>
   <p:clrMapOvr>
@@ -2980,59 +2919,66 @@
         <p:cNvGrpSpPr/>
         <p:nvPr/>
       </p:nvGrpSpPr>
-      <p:grpSpPr>
-        <a:xfrm>
-          <a:off x="0" y="0"/>
-          <a:ext cx="0" cy="0"/>
-          <a:chOff x="0" y="0"/>
-          <a:chExt cx="0" cy="0"/>
-        </a:xfrm>
-      </p:grpSpPr>
-      <p:sp>
-        <p:nvSpPr>
-          <p:cNvPr id="2" name="标题 1"/>
-          <p:cNvSpPr>
-            <a:spLocks noGrp="1"/>
-          </p:cNvSpPr>
-          <p:nvPr>
-            <p:ph type="ctrTitle"/>
+      <p:grpSpPr/>
+      <p:pic>
+        <p:nvPicPr>
+          <p:cNvPr id="8" name="图片 7"/>
+          <p:cNvPicPr>
+            <a:picLocks noChangeAspect="1"/>
+          </p:cNvPicPr>
+          <p:nvPr userDrawn="1">
             <p:custDataLst>
               <p:tags r:id="rId1"/>
             </p:custDataLst>
           </p:nvPr>
-        </p:nvSpPr>
-        <p:spPr/>
-        <p:txBody>
-          <a:bodyPr/>
-          <a:p>
-            <a:endParaRPr lang="zh-CN" altLang="zh-CN"/>
-          </a:p>
-        </p:txBody>
-      </p:sp>
-      <p:sp>
-        <p:nvSpPr>
-          <p:cNvPr id="3" name="副标题 2"/>
-          <p:cNvSpPr>
-            <a:spLocks noGrp="1"/>
-          </p:cNvSpPr>
-          <p:nvPr>
-            <p:ph type="subTitle" idx="1"/>
-            <p:custDataLst>
-              <p:tags r:id="rId2"/>
-            </p:custDataLst>
-          </p:nvPr>
-        </p:nvSpPr>
-        <p:spPr/>
-        <p:txBody>
-          <a:bodyPr/>
-          <a:p>
-            <a:endParaRPr lang="zh-CN" altLang="en-US"/>
-          </a:p>
-        </p:txBody>
-      </p:sp>
+        </p:nvPicPr>
+        <p:blipFill>
+          <a:blip r:embed="rId2"/>
+          <a:stretch>
+            <a:fillRect/>
+          </a:stretch>
+        </p:blipFill>
+        <p:spPr>
+          <a:xfrm>
+            <a:off x="863600" y="1946275"/>
+            <a:ext cx="6847284" cy="694800"/>
+          </a:xfrm>
+          <a:prstGeom prst="rect">
+            <a:avLst/>
+          </a:prstGeom>
+        </p:spPr>
+      </p:pic>
+      <p:pic>
+        <p:nvPicPr>
+          <p:cNvPr id="4" name="图片 3"/>
+          <p:cNvPicPr>
+            <a:picLocks noChangeAspect="1"/>
+          </p:cNvPicPr>
+          <p:nvPr>
+            <p:custDataLst>
+              <p:tags r:id="rId3"/>
+            </p:custDataLst>
+          </p:nvPr>
+        </p:nvPicPr>
+        <p:blipFill>
+          <a:blip r:embed="rId4"/>
+          <a:stretch>
+            <a:fillRect/>
+          </a:stretch>
+        </p:blipFill>
+        <p:spPr>
+          <a:xfrm>
+            <a:off x="863600" y="426085"/>
+            <a:ext cx="6236970" cy="716280"/>
+          </a:xfrm>
+          <a:prstGeom prst="rect">
+            <a:avLst/>
+          </a:prstGeom>
+        </p:spPr>
+      </p:pic>
     </p:spTree>
     <p:custDataLst>
-      <p:tags r:id="rId3"/>
+      <p:tags r:id="rId5"/>
     </p:custDataLst>
   </p:cSld>
   <p:clrMapOvr>
@@ -3051,55 +2997,37 @@
         <p:nvPr/>
       </p:nvGrpSpPr>
       <p:grpSpPr/>
-      <p:sp>
-        <p:nvSpPr>
-          <p:cNvPr id="2" name="标题 1"/>
-          <p:cNvSpPr>
-            <a:spLocks noGrp="1"/>
-          </p:cNvSpPr>
-          <p:nvPr>
-            <p:ph type="title"/>
-          </p:nvPr>
-        </p:nvSpPr>
+      <p:pic>
+        <p:nvPicPr>
+          <p:cNvPr id="3" name="图片 2"/>
+          <p:cNvPicPr>
+            <a:picLocks noChangeAspect="1"/>
+          </p:cNvPicPr>
+          <p:nvPr>
+            <p:custDataLst>
+              <p:tags r:id="rId1"/>
+            </p:custDataLst>
+          </p:nvPr>
+        </p:nvPicPr>
+        <p:blipFill>
+          <a:blip r:embed="rId2"/>
+          <a:stretch>
+            <a:fillRect/>
+          </a:stretch>
+        </p:blipFill>
         <p:spPr>
           <a:xfrm>
-            <a:off x="608400" y="608400"/>
-            <a:ext cx="10969200" cy="705600"/>
+            <a:off x="648335" y="767715"/>
+            <a:ext cx="1847215" cy="1065530"/>
           </a:xfrm>
+          <a:prstGeom prst="rect">
+            <a:avLst/>
+          </a:prstGeom>
         </p:spPr>
-        <p:txBody>
-          <a:bodyPr/>
-          <a:p>
-            <a:endParaRPr lang="zh-CN" altLang="en-US"/>
-          </a:p>
-        </p:txBody>
-      </p:sp>
-      <p:sp>
-        <p:nvSpPr>
-          <p:cNvPr id="3" name="内容占位符 2"/>
-          <p:cNvSpPr>
-            <a:spLocks noGrp="1"/>
-          </p:cNvSpPr>
-          <p:nvPr>
-            <p:ph idx="1"/>
-          </p:nvPr>
-        </p:nvSpPr>
-        <p:spPr>
-          <a:xfrm>
-            <a:off x="608400" y="1490400"/>
-            <a:ext cx="10969200" cy="4759200"/>
-          </a:xfrm>
-        </p:spPr>
-        <p:txBody>
-          <a:bodyPr/>
-          <a:p>
-            <a:endParaRPr lang="zh-CN" altLang="en-US"/>
-          </a:p>
-        </p:txBody>
-      </p:sp>
+      </p:pic>
     </p:spTree>
     <p:custDataLst>
-      <p:tags r:id="rId1"/>
+      <p:tags r:id="rId3"/>
     </p:custDataLst>
   </p:cSld>
   <p:clrMapOvr>
@@ -3140,7 +3068,7 @@
   <p:tag name="KSO_WM_UNIT_COMPATIBLE" val="0"/>
   <p:tag name="KSO_WM_UNIT_DIAGRAM_ISNUMVISUAL" val="0"/>
   <p:tag name="KSO_WM_UNIT_DIAGRAM_ISREFERUNIT" val="0"/>
-  <p:tag name="KSO_WM_UNIT_ID" val="_3**"/>
+  <p:tag name="KSO_WM_UNIT_ID" val="_4**"/>
   <p:tag name="KSO_WM_UNIT_LAYERLEVEL" val="1"/>
   <p:tag name="KSO_WM_TAG_VERSION" val="1.0"/>
   <p:tag name="KSO_WM_BEAUTIFY_FLAG" val="#wm#"/>
@@ -3153,7 +3081,7 @@
   <p:tag name="KSO_WM_UNIT_COMPATIBLE" val="0"/>
   <p:tag name="KSO_WM_UNIT_DIAGRAM_ISNUMVISUAL" val="0"/>
   <p:tag name="KSO_WM_UNIT_DIAGRAM_ISREFERUNIT" val="0"/>
-  <p:tag name="KSO_WM_UNIT_ID" val="_3**"/>
+  <p:tag name="KSO_WM_UNIT_ID" val="_4**"/>
   <p:tag name="KSO_WM_UNIT_LAYERLEVEL" val="1"/>
   <p:tag name="KSO_WM_TAG_VERSION" val="1.0"/>
   <p:tag name="KSO_WM_BEAUTIFY_FLAG" val="#wm#"/>
@@ -3218,7 +3146,7 @@
   <p:tag name="KSO_WM_UNIT_COMPATIBLE" val="0"/>
   <p:tag name="KSO_WM_UNIT_DIAGRAM_ISNUMVISUAL" val="0"/>
   <p:tag name="KSO_WM_UNIT_DIAGRAM_ISREFERUNIT" val="0"/>
-  <p:tag name="KSO_WM_UNIT_ID" val="_4**"/>
+  <p:tag name="KSO_WM_UNIT_ID" val="_5**"/>
   <p:tag name="KSO_WM_UNIT_LAYERLEVEL" val="1"/>
   <p:tag name="KSO_WM_TAG_VERSION" val="1.0"/>
   <p:tag name="KSO_WM_BEAUTIFY_FLAG" val="#wm#"/>
@@ -3231,7 +3159,7 @@
   <p:tag name="KSO_WM_UNIT_COMPATIBLE" val="0"/>
   <p:tag name="KSO_WM_UNIT_DIAGRAM_ISNUMVISUAL" val="0"/>
   <p:tag name="KSO_WM_UNIT_DIAGRAM_ISREFERUNIT" val="0"/>
-  <p:tag name="KSO_WM_UNIT_ID" val="_4**"/>
+  <p:tag name="KSO_WM_UNIT_ID" val="_5**"/>
   <p:tag name="KSO_WM_UNIT_LAYERLEVEL" val="1"/>
   <p:tag name="KSO_WM_TAG_VERSION" val="1.0"/>
   <p:tag name="KSO_WM_BEAUTIFY_FLAG" val="#wm#"/>
@@ -3335,7 +3263,7 @@
   <p:tag name="KSO_WM_UNIT_COMPATIBLE" val="0"/>
   <p:tag name="KSO_WM_UNIT_DIAGRAM_ISNUMVISUAL" val="0"/>
   <p:tag name="KSO_WM_UNIT_DIAGRAM_ISREFERUNIT" val="0"/>
-  <p:tag name="KSO_WM_UNIT_ID" val="_5**"/>
+  <p:tag name="KSO_WM_UNIT_ID" val="_6**"/>
   <p:tag name="KSO_WM_UNIT_LAYERLEVEL" val="1"/>
   <p:tag name="KSO_WM_TAG_VERSION" val="1.0"/>
   <p:tag name="KSO_WM_BEAUTIFY_FLAG" val="#wm#"/>
@@ -3348,7 +3276,7 @@
   <p:tag name="KSO_WM_UNIT_COMPATIBLE" val="0"/>
   <p:tag name="KSO_WM_UNIT_DIAGRAM_ISNUMVISUAL" val="0"/>
   <p:tag name="KSO_WM_UNIT_DIAGRAM_ISREFERUNIT" val="0"/>
-  <p:tag name="KSO_WM_UNIT_ID" val="_5**"/>
+  <p:tag name="KSO_WM_UNIT_ID" val="_6**"/>
   <p:tag name="KSO_WM_UNIT_LAYERLEVEL" val="1"/>
   <p:tag name="KSO_WM_TAG_VERSION" val="1.0"/>
   <p:tag name="KSO_WM_BEAUTIFY_FLAG" val="#wm#"/>
@@ -3387,7 +3315,7 @@
   <p:tag name="KSO_WM_UNIT_COMPATIBLE" val="0"/>
   <p:tag name="KSO_WM_UNIT_DIAGRAM_ISNUMVISUAL" val="0"/>
   <p:tag name="KSO_WM_UNIT_DIAGRAM_ISREFERUNIT" val="0"/>
-  <p:tag name="KSO_WM_UNIT_ID" val="_6**"/>
+  <p:tag name="KSO_WM_UNIT_ID" val="_7**"/>
   <p:tag name="KSO_WM_UNIT_LAYERLEVEL" val="1"/>
   <p:tag name="KSO_WM_TAG_VERSION" val="1.0"/>
   <p:tag name="KSO_WM_BEAUTIFY_FLAG" val="#wm#"/>
@@ -3413,7 +3341,7 @@
   <p:tag name="KSO_WM_UNIT_COMPATIBLE" val="0"/>
   <p:tag name="KSO_WM_UNIT_DIAGRAM_ISNUMVISUAL" val="0"/>
   <p:tag name="KSO_WM_UNIT_DIAGRAM_ISREFERUNIT" val="0"/>
-  <p:tag name="KSO_WM_UNIT_ID" val="_6**"/>
+  <p:tag name="KSO_WM_UNIT_ID" val="_7**"/>
   <p:tag name="KSO_WM_UNIT_LAYERLEVEL" val="1"/>
   <p:tag name="KSO_WM_TAG_VERSION" val="1.0"/>
   <p:tag name="KSO_WM_BEAUTIFY_FLAG" val="#wm#"/>
@@ -3439,7 +3367,7 @@
   <p:tag name="KSO_WM_UNIT_COMPATIBLE" val="0"/>
   <p:tag name="KSO_WM_UNIT_DIAGRAM_ISNUMVISUAL" val="0"/>
   <p:tag name="KSO_WM_UNIT_DIAGRAM_ISREFERUNIT" val="0"/>
-  <p:tag name="KSO_WM_UNIT_ID" val="_7**"/>
+  <p:tag name="KSO_WM_UNIT_ID" val="_8**"/>
   <p:tag name="KSO_WM_UNIT_LAYERLEVEL" val="1"/>
   <p:tag name="KSO_WM_TAG_VERSION" val="1.0"/>
   <p:tag name="KSO_WM_BEAUTIFY_FLAG" val="#wm#"/>
@@ -3452,7 +3380,7 @@
   <p:tag name="KSO_WM_UNIT_COMPATIBLE" val="0"/>
   <p:tag name="KSO_WM_UNIT_DIAGRAM_ISNUMVISUAL" val="0"/>
   <p:tag name="KSO_WM_UNIT_DIAGRAM_ISREFERUNIT" val="0"/>
-  <p:tag name="KSO_WM_UNIT_ID" val="_7**"/>
+  <p:tag name="KSO_WM_UNIT_ID" val="_8**"/>
   <p:tag name="KSO_WM_UNIT_LAYERLEVEL" val="1"/>
   <p:tag name="KSO_WM_TAG_VERSION" val="1.0"/>
   <p:tag name="KSO_WM_BEAUTIFY_FLAG" val="#wm#"/>
@@ -3517,7 +3445,7 @@
   <p:tag name="KSO_WM_UNIT_COMPATIBLE" val="0"/>
   <p:tag name="KSO_WM_UNIT_DIAGRAM_ISNUMVISUAL" val="0"/>
   <p:tag name="KSO_WM_UNIT_DIAGRAM_ISREFERUNIT" val="0"/>
-  <p:tag name="KSO_WM_UNIT_ID" val="_8**"/>
+  <p:tag name="KSO_WM_UNIT_ID" val="_9**"/>
   <p:tag name="KSO_WM_UNIT_LAYERLEVEL" val="1"/>
   <p:tag name="KSO_WM_TAG_VERSION" val="1.0"/>
   <p:tag name="KSO_WM_BEAUTIFY_FLAG" val="#wm#"/>
@@ -3530,7 +3458,7 @@
   <p:tag name="KSO_WM_UNIT_COMPATIBLE" val="0"/>
   <p:tag name="KSO_WM_UNIT_DIAGRAM_ISNUMVISUAL" val="0"/>
   <p:tag name="KSO_WM_UNIT_DIAGRAM_ISREFERUNIT" val="0"/>
-  <p:tag name="KSO_WM_UNIT_ID" val="_8**"/>
+  <p:tag name="KSO_WM_UNIT_ID" val="_9**"/>
   <p:tag name="KSO_WM_UNIT_LAYERLEVEL" val="1"/>
   <p:tag name="KSO_WM_TAG_VERSION" val="1.0"/>
   <p:tag name="KSO_WM_BEAUTIFY_FLAG" val="#wm#"/>
@@ -3595,7 +3523,7 @@
   <p:tag name="KSO_WM_UNIT_COMPATIBLE" val="0"/>
   <p:tag name="KSO_WM_UNIT_DIAGRAM_ISNUMVISUAL" val="0"/>
   <p:tag name="KSO_WM_UNIT_DIAGRAM_ISREFERUNIT" val="0"/>
-  <p:tag name="KSO_WM_UNIT_ID" val="_9**"/>
+  <p:tag name="KSO_WM_UNIT_ID" val="_10**"/>
   <p:tag name="KSO_WM_UNIT_LAYERLEVEL" val="1"/>
   <p:tag name="KSO_WM_TAG_VERSION" val="1.0"/>
   <p:tag name="KSO_WM_BEAUTIFY_FLAG" val="#wm#"/>
@@ -3608,7 +3536,7 @@
   <p:tag name="KSO_WM_UNIT_COMPATIBLE" val="0"/>
   <p:tag name="KSO_WM_UNIT_DIAGRAM_ISNUMVISUAL" val="0"/>
   <p:tag name="KSO_WM_UNIT_DIAGRAM_ISREFERUNIT" val="0"/>
-  <p:tag name="KSO_WM_UNIT_ID" val="_9**"/>
+  <p:tag name="KSO_WM_UNIT_ID" val="_10**"/>
   <p:tag name="KSO_WM_UNIT_LAYERLEVEL" val="1"/>
   <p:tag name="KSO_WM_TAG_VERSION" val="1.0"/>
   <p:tag name="KSO_WM_BEAUTIFY_FLAG" val="#wm#"/>
@@ -3647,7 +3575,7 @@
   <p:tag name="KSO_WM_UNIT_COMPATIBLE" val="0"/>
   <p:tag name="KSO_WM_UNIT_DIAGRAM_ISNUMVISUAL" val="0"/>
   <p:tag name="KSO_WM_UNIT_DIAGRAM_ISREFERUNIT" val="0"/>
-  <p:tag name="KSO_WM_UNIT_ID" val="_10**"/>
+  <p:tag name="KSO_WM_UNIT_ID" val="_11**"/>
   <p:tag name="KSO_WM_UNIT_LAYERLEVEL" val="1"/>
   <p:tag name="KSO_WM_TAG_VERSION" val="1.0"/>
   <p:tag name="KSO_WM_BEAUTIFY_FLAG" val="#wm#"/>
@@ -3660,7 +3588,7 @@
   <p:tag name="KSO_WM_UNIT_COMPATIBLE" val="0"/>
   <p:tag name="KSO_WM_UNIT_DIAGRAM_ISNUMVISUAL" val="0"/>
   <p:tag name="KSO_WM_UNIT_DIAGRAM_ISREFERUNIT" val="0"/>
-  <p:tag name="KSO_WM_UNIT_ID" val="_10**"/>
+  <p:tag name="KSO_WM_UNIT_ID" val="_11**"/>
   <p:tag name="KSO_WM_UNIT_LAYERLEVEL" val="1"/>
   <p:tag name="KSO_WM_TAG_VERSION" val="1.0"/>
   <p:tag name="KSO_WM_BEAUTIFY_FLAG" val="#wm#"/>
@@ -3720,32 +3648,6 @@
 </file>
 
 <file path=ppt/tags/tag52.xml><?xml version="1.0" encoding="utf-8"?>
-<p:tagLst xmlns:p="http://schemas.openxmlformats.org/presentationml/2006/main">
-  <p:tag name="KSO_WM_UNIT_HIGHLIGHT" val="0"/>
-  <p:tag name="KSO_WM_UNIT_COMPATIBLE" val="0"/>
-  <p:tag name="KSO_WM_UNIT_DIAGRAM_ISNUMVISUAL" val="0"/>
-  <p:tag name="KSO_WM_UNIT_DIAGRAM_ISREFERUNIT" val="0"/>
-  <p:tag name="KSO_WM_UNIT_ID" val="_11**"/>
-  <p:tag name="KSO_WM_UNIT_LAYERLEVEL" val="1"/>
-  <p:tag name="KSO_WM_TAG_VERSION" val="1.0"/>
-  <p:tag name="KSO_WM_BEAUTIFY_FLAG" val="#wm#"/>
-</p:tagLst>
-</file>
-
-<file path=ppt/tags/tag53.xml><?xml version="1.0" encoding="utf-8"?>
-<p:tagLst xmlns:p="http://schemas.openxmlformats.org/presentationml/2006/main">
-  <p:tag name="KSO_WM_UNIT_HIGHLIGHT" val="0"/>
-  <p:tag name="KSO_WM_UNIT_COMPATIBLE" val="0"/>
-  <p:tag name="KSO_WM_UNIT_DIAGRAM_ISNUMVISUAL" val="0"/>
-  <p:tag name="KSO_WM_UNIT_DIAGRAM_ISREFERUNIT" val="0"/>
-  <p:tag name="KSO_WM_UNIT_ID" val="_11**"/>
-  <p:tag name="KSO_WM_UNIT_LAYERLEVEL" val="1"/>
-  <p:tag name="KSO_WM_TAG_VERSION" val="1.0"/>
-  <p:tag name="KSO_WM_BEAUTIFY_FLAG" val="#wm#"/>
-</p:tagLst>
-</file>
-
-<file path=ppt/tags/tag54.xml><?xml version="1.0" encoding="utf-8"?>
 <p:tagLst xmlns:p="http://schemas.openxmlformats.org/presentationml/2006/main">
   <p:tag name="KSO_WM_UNIT_HIGHLIGHT" val="0"/>
   <p:tag name="KSO_WM_UNIT_COMPATIBLE" val="0"/>
@@ -3760,7 +3662,7 @@
 </p:tagLst>
 </file>
 
-<file path=ppt/tags/tag55.xml><?xml version="1.0" encoding="utf-8"?>
+<file path=ppt/tags/tag53.xml><?xml version="1.0" encoding="utf-8"?>
 <p:tagLst xmlns:p="http://schemas.openxmlformats.org/presentationml/2006/main">
   <p:tag name="KSO_WM_UNIT_HIGHLIGHT" val="0"/>
   <p:tag name="KSO_WM_UNIT_COMPATIBLE" val="0"/>
@@ -3775,6 +3677,32 @@
 </p:tagLst>
 </file>
 
+<file path=ppt/tags/tag54.xml><?xml version="1.0" encoding="utf-8"?>
+<p:tagLst xmlns:p="http://schemas.openxmlformats.org/presentationml/2006/main">
+  <p:tag name="KSO_WM_UNIT_HIGHLIGHT" val="0"/>
+  <p:tag name="KSO_WM_UNIT_COMPATIBLE" val="0"/>
+  <p:tag name="KSO_WM_UNIT_DIAGRAM_ISNUMVISUAL" val="0"/>
+  <p:tag name="KSO_WM_UNIT_DIAGRAM_ISREFERUNIT" val="0"/>
+  <p:tag name="KSO_WM_UNIT_ID" val="_0**"/>
+  <p:tag name="KSO_WM_UNIT_LAYERLEVEL" val="1"/>
+  <p:tag name="KSO_WM_TAG_VERSION" val="1.0"/>
+  <p:tag name="KSO_WM_BEAUTIFY_FLAG" val="#wm#"/>
+</p:tagLst>
+</file>
+
+<file path=ppt/tags/tag55.xml><?xml version="1.0" encoding="utf-8"?>
+<p:tagLst xmlns:p="http://schemas.openxmlformats.org/presentationml/2006/main">
+  <p:tag name="KSO_WM_UNIT_HIGHLIGHT" val="0"/>
+  <p:tag name="KSO_WM_UNIT_COMPATIBLE" val="0"/>
+  <p:tag name="KSO_WM_UNIT_DIAGRAM_ISNUMVISUAL" val="0"/>
+  <p:tag name="KSO_WM_UNIT_DIAGRAM_ISREFERUNIT" val="0"/>
+  <p:tag name="KSO_WM_UNIT_ID" val="_0**"/>
+  <p:tag name="KSO_WM_UNIT_LAYERLEVEL" val="1"/>
+  <p:tag name="KSO_WM_TAG_VERSION" val="1.0"/>
+  <p:tag name="KSO_WM_BEAUTIFY_FLAG" val="#wm#"/>
+</p:tagLst>
+</file>
+
 <file path=ppt/tags/tag56.xml><?xml version="1.0" encoding="utf-8"?>
 <p:tagLst xmlns:p="http://schemas.openxmlformats.org/presentationml/2006/main">
   <p:tag name="KSO_WM_UNIT_HIGHLIGHT" val="0"/>
@@ -3789,32 +3717,6 @@
 </file>
 
 <file path=ppt/tags/tag57.xml><?xml version="1.0" encoding="utf-8"?>
-<p:tagLst xmlns:p="http://schemas.openxmlformats.org/presentationml/2006/main">
-  <p:tag name="KSO_WM_UNIT_HIGHLIGHT" val="0"/>
-  <p:tag name="KSO_WM_UNIT_COMPATIBLE" val="0"/>
-  <p:tag name="KSO_WM_UNIT_DIAGRAM_ISNUMVISUAL" val="0"/>
-  <p:tag name="KSO_WM_UNIT_DIAGRAM_ISREFERUNIT" val="0"/>
-  <p:tag name="KSO_WM_UNIT_ID" val="_0**"/>
-  <p:tag name="KSO_WM_UNIT_LAYERLEVEL" val="1"/>
-  <p:tag name="KSO_WM_TAG_VERSION" val="1.0"/>
-  <p:tag name="KSO_WM_BEAUTIFY_FLAG" val="#wm#"/>
-</p:tagLst>
-</file>
-
-<file path=ppt/tags/tag58.xml><?xml version="1.0" encoding="utf-8"?>
-<p:tagLst xmlns:p="http://schemas.openxmlformats.org/presentationml/2006/main">
-  <p:tag name="KSO_WM_UNIT_HIGHLIGHT" val="0"/>
-  <p:tag name="KSO_WM_UNIT_COMPATIBLE" val="0"/>
-  <p:tag name="KSO_WM_UNIT_DIAGRAM_ISNUMVISUAL" val="0"/>
-  <p:tag name="KSO_WM_UNIT_DIAGRAM_ISREFERUNIT" val="0"/>
-  <p:tag name="KSO_WM_UNIT_ID" val="_0**"/>
-  <p:tag name="KSO_WM_UNIT_LAYERLEVEL" val="1"/>
-  <p:tag name="KSO_WM_TAG_VERSION" val="1.0"/>
-  <p:tag name="KSO_WM_BEAUTIFY_FLAG" val="#wm#"/>
-</p:tagLst>
-</file>
-
-<file path=ppt/tags/tag59.xml><?xml version="1.0" encoding="utf-8"?>
 <p:tagLst xmlns:p="http://schemas.openxmlformats.org/presentationml/2006/main">
   <p:tag name="KSO_WM_TEMPLATE_THUMBS_INDEX" val="1、4、7、12、13、14、15、16、17、18、20、24、25、28、33、36、40、43、44"/>
   <p:tag name="KSO_WM_TEMPLATE_SUBCATEGORY" val="19"/>
@@ -3828,94 +3730,69 @@
 </p:tagLst>
 </file>
 
+<file path=ppt/tags/tag58.xml><?xml version="1.0" encoding="utf-8"?>
+<p:tagLst xmlns:p="http://schemas.openxmlformats.org/presentationml/2006/main">
+  <p:tag name="KSO_WM_BEAUTIFY_FLAG" val=""/>
+</p:tagLst>
+</file>
+
+<file path=ppt/tags/tag59.xml><?xml version="1.0" encoding="utf-8"?>
+<p:tagLst xmlns:p="http://schemas.openxmlformats.org/presentationml/2006/main">
+  <p:tag name="KSO_WM_BEAUTIFY_FLAG" val=""/>
+</p:tagLst>
+</file>
+
 <file path=ppt/tags/tag6.xml><?xml version="1.0" encoding="utf-8"?>
 <p:tagLst xmlns:p="http://schemas.openxmlformats.org/presentationml/2006/main">
-  <p:tag name="KSO_WM_BEAUTIFY_FLAG" val=""/>
+  <p:tag name="KSO_WM_UNIT_HIGHLIGHT" val="0"/>
+  <p:tag name="KSO_WM_UNIT_COMPATIBLE" val="0"/>
+  <p:tag name="KSO_WM_UNIT_DIAGRAM_ISNUMVISUAL" val="0"/>
+  <p:tag name="KSO_WM_UNIT_DIAGRAM_ISREFERUNIT" val="0"/>
+  <p:tag name="KSO_WM_UNIT_ID" val="_3**"/>
+  <p:tag name="KSO_WM_UNIT_LAYERLEVEL" val="1"/>
+  <p:tag name="KSO_WM_TAG_VERSION" val="1.0"/>
+  <p:tag name="KSO_WM_BEAUTIFY_FLAG" val="#wm#"/>
 </p:tagLst>
 </file>
 
 <file path=ppt/tags/tag60.xml><?xml version="1.0" encoding="utf-8"?>
 <p:tagLst xmlns:p="http://schemas.openxmlformats.org/presentationml/2006/main">
-  <p:tag name="KSO_WM_UNIT_ISCONTENTSTITLE" val="0"/>
-  <p:tag name="KSO_WM_UNIT_ISNUMDGMTITLE" val="0"/>
-  <p:tag name="KSO_WM_UNIT_NOCLEAR" val="0"/>
-  <p:tag name="KSO_WM_UNIT_SHOW_EDIT_AREA_INDICATION" val="1"/>
-  <p:tag name="KSO_WM_UNIT_VALUE" val="28"/>
-  <p:tag name="KSO_WM_UNIT_HIGHLIGHT" val="0"/>
-  <p:tag name="KSO_WM_UNIT_COMPATIBLE" val="0"/>
-  <p:tag name="KSO_WM_UNIT_DIAGRAM_ISNUMVISUAL" val="0"/>
-  <p:tag name="KSO_WM_UNIT_DIAGRAM_ISREFERUNIT" val="0"/>
-  <p:tag name="KSO_WM_UNIT_TYPE" val="a"/>
-  <p:tag name="KSO_WM_UNIT_INDEX" val="1"/>
-  <p:tag name="KSO_WM_UNIT_ID" val="custom20205176_1*a*1"/>
+  <p:tag name="KSO_WM_BEAUTIFY_FLAG" val="#wm#"/>
   <p:tag name="KSO_WM_TEMPLATE_CATEGORY" val="custom"/>
   <p:tag name="KSO_WM_TEMPLATE_INDEX" val="20205176"/>
-  <p:tag name="KSO_WM_UNIT_LAYERLEVEL" val="1"/>
-  <p:tag name="KSO_WM_TAG_VERSION" val="1.0"/>
-  <p:tag name="KSO_WM_BEAUTIFY_FLAG" val="#wm#"/>
 </p:tagLst>
 </file>
 
 <file path=ppt/tags/tag61.xml><?xml version="1.0" encoding="utf-8"?>
 <p:tagLst xmlns:p="http://schemas.openxmlformats.org/presentationml/2006/main">
-  <p:tag name="KSO_WM_UNIT_ISCONTENTSTITLE" val="0"/>
-  <p:tag name="KSO_WM_UNIT_ISNUMDGMTITLE" val="0"/>
-  <p:tag name="KSO_WM_UNIT_NOCLEAR" val="0"/>
-  <p:tag name="KSO_WM_UNIT_SHOW_EDIT_AREA_INDICATION" val="1"/>
-  <p:tag name="KSO_WM_UNIT_VALUE" val="111"/>
-  <p:tag name="KSO_WM_UNIT_HIGHLIGHT" val="0"/>
-  <p:tag name="KSO_WM_UNIT_COMPATIBLE" val="0"/>
-  <p:tag name="KSO_WM_UNIT_DIAGRAM_ISNUMVISUAL" val="0"/>
-  <p:tag name="KSO_WM_UNIT_DIAGRAM_ISREFERUNIT" val="0"/>
-  <p:tag name="KSO_WM_UNIT_TYPE" val="b"/>
-  <p:tag name="KSO_WM_UNIT_INDEX" val="1"/>
-  <p:tag name="KSO_WM_UNIT_ID" val="custom20205176_1*b*1"/>
+  <p:tag name="KSO_WM_BEAUTIFY_FLAG" val=""/>
+</p:tagLst>
+</file>
+
+<file path=ppt/tags/tag62.xml><?xml version="1.0" encoding="utf-8"?>
+<p:tagLst xmlns:p="http://schemas.openxmlformats.org/presentationml/2006/main">
+  <p:tag name="KSO_WM_BEAUTIFY_FLAG" val="#wm#"/>
   <p:tag name="KSO_WM_TEMPLATE_CATEGORY" val="custom"/>
   <p:tag name="KSO_WM_TEMPLATE_INDEX" val="20205176"/>
-  <p:tag name="KSO_WM_UNIT_LAYERLEVEL" val="1"/>
-  <p:tag name="KSO_WM_TAG_VERSION" val="1.0"/>
-  <p:tag name="KSO_WM_BEAUTIFY_FLAG" val="#wm#"/>
-</p:tagLst>
-</file>
-
-<file path=ppt/tags/tag62.xml><?xml version="1.0" encoding="utf-8"?>
-<p:tagLst xmlns:p="http://schemas.openxmlformats.org/presentationml/2006/main">
-  <p:tag name="KSO_WM_SLIDE_ID" val="custom20205176_1"/>
-  <p:tag name="KSO_WM_TEMPLATE_SUBCATEGORY" val="19"/>
-  <p:tag name="KSO_WM_TEMPLATE_MASTER_TYPE" val="0"/>
-  <p:tag name="KSO_WM_TEMPLATE_COLOR_TYPE" val="1"/>
-  <p:tag name="KSO_WM_SLIDE_TYPE" val="title"/>
-  <p:tag name="KSO_WM_SLIDE_SUBTYPE" val="defaultBlank"/>
-  <p:tag name="KSO_WM_SLIDE_ITEM_CNT" val="0"/>
-  <p:tag name="KSO_WM_SLIDE_INDEX" val="1"/>
-  <p:tag name="KSO_WM_TAG_VERSION" val="1.0"/>
-  <p:tag name="KSO_WM_BEAUTIFY_FLAG" val="#wm#"/>
-  <p:tag name="KSO_WM_TEMPLATE_CATEGORY" val="custom"/>
-  <p:tag name="KSO_WM_TEMPLATE_INDEX" val="20205176"/>
-  <p:tag name="KSO_WM_SLIDE_LAYOUT" val="a_b"/>
-  <p:tag name="KSO_WM_SLIDE_LAYOUT_CNT" val="1_1"/>
-  <p:tag name="KSO_WM_UNIT_SHOW_EDIT_AREA_INDICATION" val="1"/>
-  <p:tag name="KSO_WM_TEMPLATE_THUMBS_INDEX" val="1、4、7、12、13、14、15、16、17、18、20、24、25、28、33、36、40、43、44"/>
 </p:tagLst>
 </file>
 
 <file path=ppt/tags/tag63.xml><?xml version="1.0" encoding="utf-8"?>
 <p:tagLst xmlns:p="http://schemas.openxmlformats.org/presentationml/2006/main">
-  <p:tag name="KSO_WM_BEAUTIFY_FLAG" val="#wm#"/>
-  <p:tag name="KSO_WM_TEMPLATE_CATEGORY" val="custom"/>
-  <p:tag name="KSO_WM_TEMPLATE_INDEX" val="20205176"/>
-</p:tagLst>
-</file>
-
-<file path=ppt/tags/tag64.xml><?xml version="1.0" encoding="utf-8"?>
-<p:tagLst xmlns:p="http://schemas.openxmlformats.org/presentationml/2006/main">
   <p:tag name="COMMONDATA" val="eyJoZGlkIjoiMGNiYmI5YWVjOTk5ZjZhOWZjNGUxNjlhNTAzYmI0NWQifQ=="/>
 </p:tagLst>
 </file>
 
 <file path=ppt/tags/tag7.xml><?xml version="1.0" encoding="utf-8"?>
 <p:tagLst xmlns:p="http://schemas.openxmlformats.org/presentationml/2006/main">
-  <p:tag name="KSO_WM_BEAUTIFY_FLAG" val=""/>
+  <p:tag name="KSO_WM_UNIT_HIGHLIGHT" val="0"/>
+  <p:tag name="KSO_WM_UNIT_COMPATIBLE" val="0"/>
+  <p:tag name="KSO_WM_UNIT_DIAGRAM_ISNUMVISUAL" val="0"/>
+  <p:tag name="KSO_WM_UNIT_DIAGRAM_ISREFERUNIT" val="0"/>
+  <p:tag name="KSO_WM_UNIT_ID" val="_3**"/>
+  <p:tag name="KSO_WM_UNIT_LAYERLEVEL" val="1"/>
+  <p:tag name="KSO_WM_TAG_VERSION" val="1.0"/>
+  <p:tag name="KSO_WM_BEAUTIFY_FLAG" val="#wm#"/>
 </p:tagLst>
 </file>
 

--- a/第六章 图/6.2 图的存储及基本操作/图.pptx
+++ b/第六章 图/6.2 图的存储及基本操作/图.pptx
@@ -7,11 +7,14 @@
   <p:sldIdLst>
     <p:sldId id="257" r:id="rId3"/>
     <p:sldId id="258" r:id="rId4"/>
+    <p:sldId id="259" r:id="rId5"/>
+    <p:sldId id="260" r:id="rId6"/>
+    <p:sldId id="261" r:id="rId7"/>
   </p:sldIdLst>
   <p:sldSz cx="12192000" cy="6858000"/>
   <p:notesSz cx="6858000" cy="9144000"/>
   <p:custDataLst>
-    <p:tags r:id="rId8"/>
+    <p:tags r:id="rId11"/>
   </p:custDataLst>
   <p:defaultTextStyle>
     <a:defPPr>
@@ -3036,6 +3039,157 @@
 </p:sld>
 </file>
 
+<file path=ppt/slides/slide3.xml><?xml version="1.0" encoding="utf-8"?>
+<p:sld xmlns:a="http://schemas.openxmlformats.org/drawingml/2006/main" xmlns:r="http://schemas.openxmlformats.org/officeDocument/2006/relationships" xmlns:p="http://schemas.openxmlformats.org/presentationml/2006/main">
+  <p:cSld>
+    <p:spTree>
+      <p:nvGrpSpPr>
+        <p:cNvPr id="1" name=""/>
+        <p:cNvGrpSpPr/>
+        <p:nvPr/>
+      </p:nvGrpSpPr>
+      <p:grpSpPr/>
+      <p:pic>
+        <p:nvPicPr>
+          <p:cNvPr id="2" name="图片 1" descr="graph"/>
+          <p:cNvPicPr>
+            <a:picLocks noChangeAspect="1"/>
+          </p:cNvPicPr>
+          <p:nvPr/>
+        </p:nvPicPr>
+        <p:blipFill>
+          <a:blip r:embed="rId1"/>
+          <a:srcRect l="15788" t="3947" r="19164" b="10646"/>
+          <a:stretch>
+            <a:fillRect/>
+          </a:stretch>
+        </p:blipFill>
+        <p:spPr>
+          <a:xfrm>
+            <a:off x="4043045" y="665480"/>
+            <a:ext cx="3903345" cy="5125085"/>
+          </a:xfrm>
+          <a:prstGeom prst="rect">
+            <a:avLst/>
+          </a:prstGeom>
+          <a:ln>
+            <a:solidFill>
+              <a:schemeClr val="accent1"/>
+            </a:solidFill>
+          </a:ln>
+        </p:spPr>
+      </p:pic>
+    </p:spTree>
+    <p:custDataLst>
+      <p:tags r:id="rId2"/>
+    </p:custDataLst>
+  </p:cSld>
+  <p:clrMapOvr>
+    <a:masterClrMapping/>
+  </p:clrMapOvr>
+</p:sld>
+</file>
+
+<file path=ppt/slides/slide4.xml><?xml version="1.0" encoding="utf-8"?>
+<p:sld xmlns:a="http://schemas.openxmlformats.org/drawingml/2006/main" xmlns:r="http://schemas.openxmlformats.org/officeDocument/2006/relationships" xmlns:p="http://schemas.openxmlformats.org/presentationml/2006/main">
+  <p:cSld>
+    <p:spTree>
+      <p:nvGrpSpPr>
+        <p:cNvPr id="1" name=""/>
+        <p:cNvGrpSpPr/>
+        <p:nvPr/>
+      </p:nvGrpSpPr>
+      <p:grpSpPr/>
+      <p:pic>
+        <p:nvPicPr>
+          <p:cNvPr id="2" name="图片 1"/>
+          <p:cNvPicPr>
+            <a:picLocks noChangeAspect="1"/>
+          </p:cNvPicPr>
+          <p:nvPr>
+            <p:custDataLst>
+              <p:tags r:id="rId1"/>
+            </p:custDataLst>
+          </p:nvPr>
+        </p:nvPicPr>
+        <p:blipFill>
+          <a:blip r:embed="rId2"/>
+          <a:stretch>
+            <a:fillRect/>
+          </a:stretch>
+        </p:blipFill>
+        <p:spPr>
+          <a:xfrm>
+            <a:off x="1365250" y="537845"/>
+            <a:ext cx="1832610" cy="1660525"/>
+          </a:xfrm>
+          <a:prstGeom prst="rect">
+            <a:avLst/>
+          </a:prstGeom>
+        </p:spPr>
+      </p:pic>
+    </p:spTree>
+    <p:custDataLst>
+      <p:tags r:id="rId3"/>
+    </p:custDataLst>
+  </p:cSld>
+  <p:clrMapOvr>
+    <a:masterClrMapping/>
+  </p:clrMapOvr>
+</p:sld>
+</file>
+
+<file path=ppt/slides/slide5.xml><?xml version="1.0" encoding="utf-8"?>
+<p:sld xmlns:a="http://schemas.openxmlformats.org/drawingml/2006/main" xmlns:r="http://schemas.openxmlformats.org/officeDocument/2006/relationships" xmlns:p="http://schemas.openxmlformats.org/presentationml/2006/main">
+  <p:cSld>
+    <p:spTree>
+      <p:nvGrpSpPr>
+        <p:cNvPr id="1" name=""/>
+        <p:cNvGrpSpPr/>
+        <p:nvPr/>
+      </p:nvGrpSpPr>
+      <p:grpSpPr/>
+      <p:pic>
+        <p:nvPicPr>
+          <p:cNvPr id="2" name="图片 1" descr="graph (1)"/>
+          <p:cNvPicPr>
+            <a:picLocks noChangeAspect="1"/>
+          </p:cNvPicPr>
+          <p:nvPr/>
+        </p:nvPicPr>
+        <p:blipFill>
+          <a:blip r:embed="rId1"/>
+          <a:srcRect l="27566" t="31905" r="34593" b="31926"/>
+          <a:stretch>
+            <a:fillRect/>
+          </a:stretch>
+        </p:blipFill>
+        <p:spPr>
+          <a:xfrm>
+            <a:off x="882650" y="382270"/>
+            <a:ext cx="2270760" cy="2170430"/>
+          </a:xfrm>
+          <a:prstGeom prst="rect">
+            <a:avLst/>
+          </a:prstGeom>
+          <a:ln>
+            <a:solidFill>
+              <a:schemeClr val="accent1"/>
+            </a:solidFill>
+          </a:ln>
+        </p:spPr>
+      </p:pic>
+    </p:spTree>
+    <p:custDataLst>
+      <p:tags r:id="rId2"/>
+    </p:custDataLst>
+  </p:cSld>
+  <p:clrMapOvr>
+    <a:masterClrMapping/>
+  </p:clrMapOvr>
+</p:sld>
+</file>
+
 <file path=ppt/tags/tag1.xml><?xml version="1.0" encoding="utf-8"?>
 <p:tagLst xmlns:p="http://schemas.openxmlformats.org/presentationml/2006/main">
   <p:tag name="KSO_WM_UNIT_HIGHLIGHT" val="0"/>
@@ -3778,6 +3932,36 @@
 </file>
 
 <file path=ppt/tags/tag63.xml><?xml version="1.0" encoding="utf-8"?>
+<p:tagLst xmlns:p="http://schemas.openxmlformats.org/presentationml/2006/main">
+  <p:tag name="KSO_WM_BEAUTIFY_FLAG" val="#wm#"/>
+  <p:tag name="KSO_WM_TEMPLATE_CATEGORY" val="custom"/>
+  <p:tag name="KSO_WM_TEMPLATE_INDEX" val="20205176"/>
+</p:tagLst>
+</file>
+
+<file path=ppt/tags/tag64.xml><?xml version="1.0" encoding="utf-8"?>
+<p:tagLst xmlns:p="http://schemas.openxmlformats.org/presentationml/2006/main">
+  <p:tag name="KSO_WM_BEAUTIFY_FLAG" val=""/>
+</p:tagLst>
+</file>
+
+<file path=ppt/tags/tag65.xml><?xml version="1.0" encoding="utf-8"?>
+<p:tagLst xmlns:p="http://schemas.openxmlformats.org/presentationml/2006/main">
+  <p:tag name="KSO_WM_BEAUTIFY_FLAG" val="#wm#"/>
+  <p:tag name="KSO_WM_TEMPLATE_CATEGORY" val="custom"/>
+  <p:tag name="KSO_WM_TEMPLATE_INDEX" val="20205176"/>
+</p:tagLst>
+</file>
+
+<file path=ppt/tags/tag66.xml><?xml version="1.0" encoding="utf-8"?>
+<p:tagLst xmlns:p="http://schemas.openxmlformats.org/presentationml/2006/main">
+  <p:tag name="KSO_WM_BEAUTIFY_FLAG" val="#wm#"/>
+  <p:tag name="KSO_WM_TEMPLATE_CATEGORY" val="custom"/>
+  <p:tag name="KSO_WM_TEMPLATE_INDEX" val="20205176"/>
+</p:tagLst>
+</file>
+
+<file path=ppt/tags/tag67.xml><?xml version="1.0" encoding="utf-8"?>
 <p:tagLst xmlns:p="http://schemas.openxmlformats.org/presentationml/2006/main">
   <p:tag name="COMMONDATA" val="eyJoZGlkIjoiMGNiYmI5YWVjOTk5ZjZhOWZjNGUxNjlhNTAzYmI0NWQifQ=="/>
 </p:tagLst>

--- a/第六章 图/6.2 图的存储及基本操作/图.pptx
+++ b/第六章 图/6.2 图的存储及基本操作/图.pptx
@@ -10,11 +10,12 @@
     <p:sldId id="259" r:id="rId5"/>
     <p:sldId id="260" r:id="rId6"/>
     <p:sldId id="261" r:id="rId7"/>
+    <p:sldId id="262" r:id="rId8"/>
   </p:sldIdLst>
   <p:sldSz cx="12192000" cy="6858000"/>
   <p:notesSz cx="6858000" cy="9144000"/>
   <p:custDataLst>
-    <p:tags r:id="rId11"/>
+    <p:tags r:id="rId12"/>
   </p:custDataLst>
   <p:defaultTextStyle>
     <a:defPPr>
@@ -3190,6 +3191,83 @@
 </p:sld>
 </file>
 
+<file path=ppt/slides/slide6.xml><?xml version="1.0" encoding="utf-8"?>
+<p:sld xmlns:a="http://schemas.openxmlformats.org/drawingml/2006/main" xmlns:r="http://schemas.openxmlformats.org/officeDocument/2006/relationships" xmlns:p="http://schemas.openxmlformats.org/presentationml/2006/main">
+  <p:cSld>
+    <p:spTree>
+      <p:nvGrpSpPr>
+        <p:cNvPr id="1" name=""/>
+        <p:cNvGrpSpPr/>
+        <p:nvPr/>
+      </p:nvGrpSpPr>
+      <p:grpSpPr/>
+      <p:pic>
+        <p:nvPicPr>
+          <p:cNvPr id="2" name="图片 1"/>
+          <p:cNvPicPr>
+            <a:picLocks noChangeAspect="1"/>
+          </p:cNvPicPr>
+          <p:nvPr>
+            <p:custDataLst>
+              <p:tags r:id="rId1"/>
+            </p:custDataLst>
+          </p:nvPr>
+        </p:nvPicPr>
+        <p:blipFill>
+          <a:blip r:embed="rId2"/>
+          <a:stretch>
+            <a:fillRect/>
+          </a:stretch>
+        </p:blipFill>
+        <p:spPr>
+          <a:xfrm>
+            <a:off x="845820" y="565150"/>
+            <a:ext cx="2028825" cy="1837690"/>
+          </a:xfrm>
+          <a:prstGeom prst="rect">
+            <a:avLst/>
+          </a:prstGeom>
+        </p:spPr>
+      </p:pic>
+      <p:pic>
+        <p:nvPicPr>
+          <p:cNvPr id="3" name="图片 2"/>
+          <p:cNvPicPr>
+            <a:picLocks noChangeAspect="1"/>
+          </p:cNvPicPr>
+          <p:nvPr>
+            <p:custDataLst>
+              <p:tags r:id="rId3"/>
+            </p:custDataLst>
+          </p:nvPr>
+        </p:nvPicPr>
+        <p:blipFill>
+          <a:blip r:embed="rId4"/>
+          <a:stretch>
+            <a:fillRect/>
+          </a:stretch>
+        </p:blipFill>
+        <p:spPr>
+          <a:xfrm>
+            <a:off x="3342005" y="565150"/>
+            <a:ext cx="2680335" cy="1837690"/>
+          </a:xfrm>
+          <a:prstGeom prst="rect">
+            <a:avLst/>
+          </a:prstGeom>
+        </p:spPr>
+      </p:pic>
+    </p:spTree>
+    <p:custDataLst>
+      <p:tags r:id="rId5"/>
+    </p:custDataLst>
+  </p:cSld>
+  <p:clrMapOvr>
+    <a:masterClrMapping/>
+  </p:clrMapOvr>
+</p:sld>
+</file>
+
 <file path=ppt/tags/tag1.xml><?xml version="1.0" encoding="utf-8"?>
 <p:tagLst xmlns:p="http://schemas.openxmlformats.org/presentationml/2006/main">
   <p:tag name="KSO_WM_UNIT_HIGHLIGHT" val="0"/>
@@ -3963,20 +4041,40 @@
 
 <file path=ppt/tags/tag67.xml><?xml version="1.0" encoding="utf-8"?>
 <p:tagLst xmlns:p="http://schemas.openxmlformats.org/presentationml/2006/main">
+  <p:tag name="KSO_WM_BEAUTIFY_FLAG" val=""/>
+</p:tagLst>
+</file>
+
+<file path=ppt/tags/tag68.xml><?xml version="1.0" encoding="utf-8"?>
+<p:tagLst xmlns:p="http://schemas.openxmlformats.org/presentationml/2006/main">
+  <p:tag name="KSO_WM_BEAUTIFY_FLAG" val=""/>
+</p:tagLst>
+</file>
+
+<file path=ppt/tags/tag69.xml><?xml version="1.0" encoding="utf-8"?>
+<p:tagLst xmlns:p="http://schemas.openxmlformats.org/presentationml/2006/main">
+  <p:tag name="KSO_WM_BEAUTIFY_FLAG" val="#wm#"/>
+  <p:tag name="KSO_WM_TEMPLATE_CATEGORY" val="custom"/>
+  <p:tag name="KSO_WM_TEMPLATE_INDEX" val="20205176"/>
+</p:tagLst>
+</file>
+
+<file path=ppt/tags/tag7.xml><?xml version="1.0" encoding="utf-8"?>
+<p:tagLst xmlns:p="http://schemas.openxmlformats.org/presentationml/2006/main">
+  <p:tag name="KSO_WM_UNIT_HIGHLIGHT" val="0"/>
+  <p:tag name="KSO_WM_UNIT_COMPATIBLE" val="0"/>
+  <p:tag name="KSO_WM_UNIT_DIAGRAM_ISNUMVISUAL" val="0"/>
+  <p:tag name="KSO_WM_UNIT_DIAGRAM_ISREFERUNIT" val="0"/>
+  <p:tag name="KSO_WM_UNIT_ID" val="_3**"/>
+  <p:tag name="KSO_WM_UNIT_LAYERLEVEL" val="1"/>
+  <p:tag name="KSO_WM_TAG_VERSION" val="1.0"/>
+  <p:tag name="KSO_WM_BEAUTIFY_FLAG" val="#wm#"/>
+</p:tagLst>
+</file>
+
+<file path=ppt/tags/tag70.xml><?xml version="1.0" encoding="utf-8"?>
+<p:tagLst xmlns:p="http://schemas.openxmlformats.org/presentationml/2006/main">
   <p:tag name="COMMONDATA" val="eyJoZGlkIjoiMGNiYmI5YWVjOTk5ZjZhOWZjNGUxNjlhNTAzYmI0NWQifQ=="/>
-</p:tagLst>
-</file>
-
-<file path=ppt/tags/tag7.xml><?xml version="1.0" encoding="utf-8"?>
-<p:tagLst xmlns:p="http://schemas.openxmlformats.org/presentationml/2006/main">
-  <p:tag name="KSO_WM_UNIT_HIGHLIGHT" val="0"/>
-  <p:tag name="KSO_WM_UNIT_COMPATIBLE" val="0"/>
-  <p:tag name="KSO_WM_UNIT_DIAGRAM_ISNUMVISUAL" val="0"/>
-  <p:tag name="KSO_WM_UNIT_DIAGRAM_ISREFERUNIT" val="0"/>
-  <p:tag name="KSO_WM_UNIT_ID" val="_3**"/>
-  <p:tag name="KSO_WM_UNIT_LAYERLEVEL" val="1"/>
-  <p:tag name="KSO_WM_TAG_VERSION" val="1.0"/>
-  <p:tag name="KSO_WM_BEAUTIFY_FLAG" val="#wm#"/>
 </p:tagLst>
 </file>
 

--- a/第六章 图/6.2 图的存储及基本操作/图.pptx
+++ b/第六章 图/6.2 图的存储及基本操作/图.pptx
@@ -3257,9 +3257,37 @@
           </a:prstGeom>
         </p:spPr>
       </p:pic>
+      <p:pic>
+        <p:nvPicPr>
+          <p:cNvPr id="4" name="图片 3"/>
+          <p:cNvPicPr>
+            <a:picLocks noChangeAspect="1"/>
+          </p:cNvPicPr>
+          <p:nvPr>
+            <p:custDataLst>
+              <p:tags r:id="rId5"/>
+            </p:custDataLst>
+          </p:nvPr>
+        </p:nvPicPr>
+        <p:blipFill>
+          <a:blip r:embed="rId6"/>
+          <a:stretch>
+            <a:fillRect/>
+          </a:stretch>
+        </p:blipFill>
+        <p:spPr>
+          <a:xfrm>
+            <a:off x="643890" y="3222625"/>
+            <a:ext cx="5281295" cy="1283335"/>
+          </a:xfrm>
+          <a:prstGeom prst="rect">
+            <a:avLst/>
+          </a:prstGeom>
+        </p:spPr>
+      </p:pic>
     </p:spTree>
     <p:custDataLst>
-      <p:tags r:id="rId5"/>
+      <p:tags r:id="rId7"/>
     </p:custDataLst>
   </p:cSld>
   <p:clrMapOvr>
@@ -4053,26 +4081,32 @@
 
 <file path=ppt/tags/tag69.xml><?xml version="1.0" encoding="utf-8"?>
 <p:tagLst xmlns:p="http://schemas.openxmlformats.org/presentationml/2006/main">
+  <p:tag name="KSO_WM_BEAUTIFY_FLAG" val=""/>
+</p:tagLst>
+</file>
+
+<file path=ppt/tags/tag7.xml><?xml version="1.0" encoding="utf-8"?>
+<p:tagLst xmlns:p="http://schemas.openxmlformats.org/presentationml/2006/main">
+  <p:tag name="KSO_WM_UNIT_HIGHLIGHT" val="0"/>
+  <p:tag name="KSO_WM_UNIT_COMPATIBLE" val="0"/>
+  <p:tag name="KSO_WM_UNIT_DIAGRAM_ISNUMVISUAL" val="0"/>
+  <p:tag name="KSO_WM_UNIT_DIAGRAM_ISREFERUNIT" val="0"/>
+  <p:tag name="KSO_WM_UNIT_ID" val="_3**"/>
+  <p:tag name="KSO_WM_UNIT_LAYERLEVEL" val="1"/>
+  <p:tag name="KSO_WM_TAG_VERSION" val="1.0"/>
+  <p:tag name="KSO_WM_BEAUTIFY_FLAG" val="#wm#"/>
+</p:tagLst>
+</file>
+
+<file path=ppt/tags/tag70.xml><?xml version="1.0" encoding="utf-8"?>
+<p:tagLst xmlns:p="http://schemas.openxmlformats.org/presentationml/2006/main">
   <p:tag name="KSO_WM_BEAUTIFY_FLAG" val="#wm#"/>
   <p:tag name="KSO_WM_TEMPLATE_CATEGORY" val="custom"/>
   <p:tag name="KSO_WM_TEMPLATE_INDEX" val="20205176"/>
 </p:tagLst>
 </file>
 
-<file path=ppt/tags/tag7.xml><?xml version="1.0" encoding="utf-8"?>
-<p:tagLst xmlns:p="http://schemas.openxmlformats.org/presentationml/2006/main">
-  <p:tag name="KSO_WM_UNIT_HIGHLIGHT" val="0"/>
-  <p:tag name="KSO_WM_UNIT_COMPATIBLE" val="0"/>
-  <p:tag name="KSO_WM_UNIT_DIAGRAM_ISNUMVISUAL" val="0"/>
-  <p:tag name="KSO_WM_UNIT_DIAGRAM_ISREFERUNIT" val="0"/>
-  <p:tag name="KSO_WM_UNIT_ID" val="_3**"/>
-  <p:tag name="KSO_WM_UNIT_LAYERLEVEL" val="1"/>
-  <p:tag name="KSO_WM_TAG_VERSION" val="1.0"/>
-  <p:tag name="KSO_WM_BEAUTIFY_FLAG" val="#wm#"/>
-</p:tagLst>
-</file>
-
-<file path=ppt/tags/tag70.xml><?xml version="1.0" encoding="utf-8"?>
+<file path=ppt/tags/tag71.xml><?xml version="1.0" encoding="utf-8"?>
 <p:tagLst xmlns:p="http://schemas.openxmlformats.org/presentationml/2006/main">
   <p:tag name="COMMONDATA" val="eyJoZGlkIjoiMGNiYmI5YWVjOTk5ZjZhOWZjNGUxNjlhNTAzYmI0NWQifQ=="/>
 </p:tagLst>

--- a/第六章 图/6.2 图的存储及基本操作/图.pptx
+++ b/第六章 图/6.2 图的存储及基本操作/图.pptx
@@ -11,11 +11,12 @@
     <p:sldId id="260" r:id="rId6"/>
     <p:sldId id="261" r:id="rId7"/>
     <p:sldId id="262" r:id="rId8"/>
+    <p:sldId id="263" r:id="rId9"/>
   </p:sldIdLst>
   <p:sldSz cx="12192000" cy="6858000"/>
   <p:notesSz cx="6858000" cy="9144000"/>
   <p:custDataLst>
-    <p:tags r:id="rId12"/>
+    <p:tags r:id="rId13"/>
   </p:custDataLst>
   <p:defaultTextStyle>
     <a:defPPr>
@@ -3296,6 +3297,57 @@
 </p:sld>
 </file>
 
+<file path=ppt/slides/slide7.xml><?xml version="1.0" encoding="utf-8"?>
+<p:sld xmlns:a="http://schemas.openxmlformats.org/drawingml/2006/main" xmlns:r="http://schemas.openxmlformats.org/officeDocument/2006/relationships" xmlns:p="http://schemas.openxmlformats.org/presentationml/2006/main">
+  <p:cSld>
+    <p:spTree>
+      <p:nvGrpSpPr>
+        <p:cNvPr id="1" name=""/>
+        <p:cNvGrpSpPr/>
+        <p:nvPr/>
+      </p:nvGrpSpPr>
+      <p:grpSpPr/>
+      <p:pic>
+        <p:nvPicPr>
+          <p:cNvPr id="3" name="图片 2" descr="v2-3c706715191a2cb71aa594f42a25ee4f_r"/>
+          <p:cNvPicPr>
+            <a:picLocks noChangeAspect="1"/>
+          </p:cNvPicPr>
+          <p:nvPr/>
+        </p:nvPicPr>
+        <p:blipFill>
+          <a:blip r:embed="rId1"/>
+          <a:srcRect l="4830" t="14589" r="5813" b="14943"/>
+          <a:stretch>
+            <a:fillRect/>
+          </a:stretch>
+        </p:blipFill>
+        <p:spPr>
+          <a:xfrm>
+            <a:off x="1056640" y="975360"/>
+            <a:ext cx="5133975" cy="2024380"/>
+          </a:xfrm>
+          <a:prstGeom prst="rect">
+            <a:avLst/>
+          </a:prstGeom>
+          <a:ln>
+            <a:solidFill>
+              <a:schemeClr val="accent1"/>
+            </a:solidFill>
+          </a:ln>
+        </p:spPr>
+      </p:pic>
+    </p:spTree>
+    <p:custDataLst>
+      <p:tags r:id="rId2"/>
+    </p:custDataLst>
+  </p:cSld>
+  <p:clrMapOvr>
+    <a:masterClrMapping/>
+  </p:clrMapOvr>
+</p:sld>
+</file>
+
 <file path=ppt/tags/tag1.xml><?xml version="1.0" encoding="utf-8"?>
 <p:tagLst xmlns:p="http://schemas.openxmlformats.org/presentationml/2006/main">
   <p:tag name="KSO_WM_UNIT_HIGHLIGHT" val="0"/>
@@ -4107,6 +4159,14 @@
 </file>
 
 <file path=ppt/tags/tag71.xml><?xml version="1.0" encoding="utf-8"?>
+<p:tagLst xmlns:p="http://schemas.openxmlformats.org/presentationml/2006/main">
+  <p:tag name="KSO_WM_BEAUTIFY_FLAG" val="#wm#"/>
+  <p:tag name="KSO_WM_TEMPLATE_CATEGORY" val="custom"/>
+  <p:tag name="KSO_WM_TEMPLATE_INDEX" val="20205176"/>
+</p:tagLst>
+</file>
+
+<file path=ppt/tags/tag72.xml><?xml version="1.0" encoding="utf-8"?>
 <p:tagLst xmlns:p="http://schemas.openxmlformats.org/presentationml/2006/main">
   <p:tag name="COMMONDATA" val="eyJoZGlkIjoiMGNiYmI5YWVjOTk5ZjZhOWZjNGUxNjlhNTAzYmI0NWQifQ=="/>
 </p:tagLst>
